--- a/Project - Support Vector Machine Data Mining UB.pptx
+++ b/Project - Support Vector Machine Data Mining UB.pptx
@@ -3974,6 +3974,39 @@
             <a:r>
               <a:rPr lang="en-US" sz="4400" b="1" dirty="0"/>
               <a:t>PERTANYAAN &amp; DISKUSI</a:t>
+            </a:r>
+          </a:p>
+          <a:p>
+            <a:pPr marL="0" indent="0" algn="ctr">
+              <a:buNone/>
+            </a:pPr>
+            <a:r>
+              <a:rPr lang="en-US" sz="4400" b="1" dirty="0"/>
+              <a:t>Link PPT </a:t>
+            </a:r>
+            <a:r>
+              <a:rPr lang="en-US" sz="4400" b="1" dirty="0" err="1"/>
+              <a:t>dan</a:t>
+            </a:r>
+            <a:r>
+              <a:rPr lang="en-US" sz="4400" b="1" dirty="0"/>
+              <a:t> Code: </a:t>
+            </a:r>
+            <a:r>
+              <a:rPr lang="en-US" sz="4400" b="1" dirty="0" err="1">
+                <a:solidFill>
+                  <a:srgbClr val="0070C0"/>
+                </a:solidFill>
+              </a:rPr>
+              <a:t>intip.in</a:t>
+            </a:r>
+            <a:r>
+              <a:rPr lang="en-US" sz="4400" b="1" dirty="0">
+                <a:solidFill>
+                  <a:srgbClr val="0070C0"/>
+                </a:solidFill>
+              </a:rPr>
+              <a:t>/5WeL</a:t>
             </a:r>
           </a:p>
         </p:txBody>
